--- a/doc/Icons-NarrationsLab.pptx
+++ b/doc/Icons-NarrationsLab.pptx
@@ -221,7 +221,7 @@
           <a:p>
             <a:fld id="{6699ACB9-486C-4D62-A3A7-AF98E13EFDA3}" type="datetimeFigureOut">
               <a:rPr lang="en-US" smtClean="0"/>
-              <a:t>6/6/2017</a:t>
+              <a:t>6/9/2017</a:t>
             </a:fld>
             <a:endParaRPr lang="en-US"/>
           </a:p>
@@ -752,7 +752,7 @@
             <a:fld id="{1D8BD707-D9CF-40AE-B4C6-C98DA3205C09}" type="datetimeFigureOut">
               <a:rPr lang="en-US" smtClean="0"/>
               <a:pPr/>
-              <a:t>6/6/2017</a:t>
+              <a:t>6/9/2017</a:t>
             </a:fld>
             <a:endParaRPr lang="en-US"/>
           </a:p>
@@ -917,7 +917,7 @@
             <a:fld id="{1D8BD707-D9CF-40AE-B4C6-C98DA3205C09}" type="datetimeFigureOut">
               <a:rPr lang="en-US" smtClean="0"/>
               <a:pPr/>
-              <a:t>6/6/2017</a:t>
+              <a:t>6/9/2017</a:t>
             </a:fld>
             <a:endParaRPr lang="en-US"/>
           </a:p>
@@ -1092,7 +1092,7 @@
             <a:fld id="{1D8BD707-D9CF-40AE-B4C6-C98DA3205C09}" type="datetimeFigureOut">
               <a:rPr lang="en-US" smtClean="0"/>
               <a:pPr/>
-              <a:t>6/6/2017</a:t>
+              <a:t>6/9/2017</a:t>
             </a:fld>
             <a:endParaRPr lang="en-US"/>
           </a:p>
@@ -1257,7 +1257,7 @@
             <a:fld id="{1D8BD707-D9CF-40AE-B4C6-C98DA3205C09}" type="datetimeFigureOut">
               <a:rPr lang="en-US" smtClean="0"/>
               <a:pPr/>
-              <a:t>6/6/2017</a:t>
+              <a:t>6/9/2017</a:t>
             </a:fld>
             <a:endParaRPr lang="en-US"/>
           </a:p>
@@ -1499,7 +1499,7 @@
             <a:fld id="{1D8BD707-D9CF-40AE-B4C6-C98DA3205C09}" type="datetimeFigureOut">
               <a:rPr lang="en-US" smtClean="0"/>
               <a:pPr/>
-              <a:t>6/6/2017</a:t>
+              <a:t>6/9/2017</a:t>
             </a:fld>
             <a:endParaRPr lang="en-US"/>
           </a:p>
@@ -1781,7 +1781,7 @@
             <a:fld id="{1D8BD707-D9CF-40AE-B4C6-C98DA3205C09}" type="datetimeFigureOut">
               <a:rPr lang="en-US" smtClean="0"/>
               <a:pPr/>
-              <a:t>6/6/2017</a:t>
+              <a:t>6/9/2017</a:t>
             </a:fld>
             <a:endParaRPr lang="en-US"/>
           </a:p>
@@ -2197,7 +2197,7 @@
             <a:fld id="{1D8BD707-D9CF-40AE-B4C6-C98DA3205C09}" type="datetimeFigureOut">
               <a:rPr lang="en-US" smtClean="0"/>
               <a:pPr/>
-              <a:t>6/6/2017</a:t>
+              <a:t>6/9/2017</a:t>
             </a:fld>
             <a:endParaRPr lang="en-US"/>
           </a:p>
@@ -2311,7 +2311,7 @@
             <a:fld id="{1D8BD707-D9CF-40AE-B4C6-C98DA3205C09}" type="datetimeFigureOut">
               <a:rPr lang="en-US" smtClean="0"/>
               <a:pPr/>
-              <a:t>6/6/2017</a:t>
+              <a:t>6/9/2017</a:t>
             </a:fld>
             <a:endParaRPr lang="en-US"/>
           </a:p>
@@ -2403,7 +2403,7 @@
             <a:fld id="{1D8BD707-D9CF-40AE-B4C6-C98DA3205C09}" type="datetimeFigureOut">
               <a:rPr lang="en-US" smtClean="0"/>
               <a:pPr/>
-              <a:t>6/6/2017</a:t>
+              <a:t>6/9/2017</a:t>
             </a:fld>
             <a:endParaRPr lang="en-US"/>
           </a:p>
@@ -2675,7 +2675,7 @@
             <a:fld id="{1D8BD707-D9CF-40AE-B4C6-C98DA3205C09}" type="datetimeFigureOut">
               <a:rPr lang="en-US" smtClean="0"/>
               <a:pPr/>
-              <a:t>6/6/2017</a:t>
+              <a:t>6/9/2017</a:t>
             </a:fld>
             <a:endParaRPr lang="en-US"/>
           </a:p>
@@ -2924,7 +2924,7 @@
             <a:fld id="{1D8BD707-D9CF-40AE-B4C6-C98DA3205C09}" type="datetimeFigureOut">
               <a:rPr lang="en-US" smtClean="0"/>
               <a:pPr/>
-              <a:t>6/6/2017</a:t>
+              <a:t>6/9/2017</a:t>
             </a:fld>
             <a:endParaRPr lang="en-US"/>
           </a:p>
@@ -3132,7 +3132,7 @@
             <a:fld id="{1D8BD707-D9CF-40AE-B4C6-C98DA3205C09}" type="datetimeFigureOut">
               <a:rPr lang="en-US" smtClean="0"/>
               <a:pPr/>
-              <a:t>6/6/2017</a:t>
+              <a:t>6/9/2017</a:t>
             </a:fld>
             <a:endParaRPr lang="en-US"/>
           </a:p>
@@ -4786,7 +4786,7 @@
       </p:sp>
       <p:grpSp>
         <p:nvGrpSpPr>
-          <p:cNvPr id="150" name="Group 149"/>
+          <p:cNvPr id="5" name="Group 4"/>
           <p:cNvGrpSpPr/>
           <p:nvPr/>
         </p:nvGrpSpPr>
@@ -4794,25 +4794,257 @@
           <a:xfrm>
             <a:off x="3973173" y="1554833"/>
             <a:ext cx="838200" cy="838200"/>
-            <a:chOff x="1002575" y="1231726"/>
+            <a:chOff x="3973173" y="1554833"/>
             <a:chExt cx="838200" cy="838200"/>
           </a:xfrm>
         </p:grpSpPr>
+        <p:grpSp>
+          <p:nvGrpSpPr>
+            <p:cNvPr id="150" name="Group 149"/>
+            <p:cNvGrpSpPr/>
+            <p:nvPr/>
+          </p:nvGrpSpPr>
+          <p:grpSpPr>
+            <a:xfrm>
+              <a:off x="3973173" y="1554833"/>
+              <a:ext cx="838200" cy="838200"/>
+              <a:chOff x="1002575" y="1231726"/>
+              <a:chExt cx="838200" cy="838200"/>
+            </a:xfrm>
+          </p:grpSpPr>
+          <p:sp>
+            <p:nvSpPr>
+              <p:cNvPr id="151" name="Rectangle 150"/>
+              <p:cNvSpPr/>
+              <p:nvPr/>
+            </p:nvSpPr>
+            <p:spPr>
+              <a:xfrm>
+                <a:off x="1002575" y="1231726"/>
+                <a:ext cx="838200" cy="838200"/>
+              </a:xfrm>
+              <a:prstGeom prst="rect">
+                <a:avLst/>
+              </a:prstGeom>
+              <a:noFill/>
+              <a:ln>
+                <a:noFill/>
+              </a:ln>
+            </p:spPr>
+            <p:style>
+              <a:lnRef idx="2">
+                <a:schemeClr val="accent1">
+                  <a:shade val="50000"/>
+                </a:schemeClr>
+              </a:lnRef>
+              <a:fillRef idx="1">
+                <a:schemeClr val="accent1"/>
+              </a:fillRef>
+              <a:effectRef idx="0">
+                <a:schemeClr val="accent1"/>
+              </a:effectRef>
+              <a:fontRef idx="minor">
+                <a:schemeClr val="lt1"/>
+              </a:fontRef>
+            </p:style>
+            <p:txBody>
+              <a:bodyPr rtlCol="0" anchor="ctr"/>
+              <a:lstStyle/>
+              <a:p>
+                <a:pPr algn="ctr"/>
+                <a:endParaRPr lang="en-SG"/>
+              </a:p>
+            </p:txBody>
+          </p:sp>
+          <p:sp>
+            <p:nvSpPr>
+              <p:cNvPr id="152" name="Rectangle 4"/>
+              <p:cNvSpPr/>
+              <p:nvPr/>
+            </p:nvSpPr>
+            <p:spPr>
+              <a:xfrm rot="16200000">
+                <a:off x="1071530" y="1304929"/>
+                <a:ext cx="700291" cy="690781"/>
+              </a:xfrm>
+              <a:custGeom>
+                <a:avLst/>
+                <a:gdLst/>
+                <a:ahLst/>
+                <a:cxnLst/>
+                <a:rect l="l" t="t" r="r" b="b"/>
+                <a:pathLst>
+                  <a:path w="1752603" h="1752600">
+                    <a:moveTo>
+                      <a:pt x="533400" y="0"/>
+                    </a:moveTo>
+                    <a:lnTo>
+                      <a:pt x="533403" y="0"/>
+                    </a:lnTo>
+                    <a:lnTo>
+                      <a:pt x="1066800" y="0"/>
+                    </a:lnTo>
+                    <a:lnTo>
+                      <a:pt x="1752603" y="0"/>
+                    </a:lnTo>
+                    <a:lnTo>
+                      <a:pt x="1752603" y="1752600"/>
+                    </a:lnTo>
+                    <a:lnTo>
+                      <a:pt x="1219203" y="1752600"/>
+                    </a:lnTo>
+                    <a:lnTo>
+                      <a:pt x="533403" y="1752600"/>
+                    </a:lnTo>
+                    <a:lnTo>
+                      <a:pt x="3" y="1752600"/>
+                    </a:lnTo>
+                    <a:lnTo>
+                      <a:pt x="3" y="533430"/>
+                    </a:lnTo>
+                    <a:cubicBezTo>
+                      <a:pt x="0" y="533420"/>
+                      <a:pt x="0" y="533410"/>
+                      <a:pt x="0" y="533400"/>
+                    </a:cubicBezTo>
+                    <a:cubicBezTo>
+                      <a:pt x="0" y="238811"/>
+                      <a:pt x="238811" y="0"/>
+                      <a:pt x="533400" y="0"/>
+                    </a:cubicBezTo>
+                    <a:close/>
+                  </a:path>
+                </a:pathLst>
+              </a:custGeom>
+              <a:noFill/>
+              <a:ln w="76200" cmpd="sng">
+                <a:solidFill>
+                  <a:srgbClr val="0070C0"/>
+                </a:solidFill>
+                <a:miter lim="800000"/>
+              </a:ln>
+            </p:spPr>
+            <p:style>
+              <a:lnRef idx="2">
+                <a:schemeClr val="accent1">
+                  <a:shade val="50000"/>
+                </a:schemeClr>
+              </a:lnRef>
+              <a:fillRef idx="1">
+                <a:schemeClr val="accent1"/>
+              </a:fillRef>
+              <a:effectRef idx="0">
+                <a:schemeClr val="accent1"/>
+              </a:effectRef>
+              <a:fontRef idx="minor">
+                <a:schemeClr val="lt1"/>
+              </a:fontRef>
+            </p:style>
+            <p:txBody>
+              <a:bodyPr rtlCol="0" anchor="ctr"/>
+              <a:lstStyle/>
+              <a:p>
+                <a:pPr algn="ctr"/>
+                <a:endParaRPr lang="en-US"/>
+              </a:p>
+            </p:txBody>
+          </p:sp>
+        </p:grpSp>
         <p:sp>
           <p:nvSpPr>
-            <p:cNvPr id="151" name="Rectangle 150"/>
+            <p:cNvPr id="153" name="Freeform: Shape 152"/>
             <p:cNvSpPr/>
             <p:nvPr/>
           </p:nvSpPr>
           <p:spPr>
             <a:xfrm>
-              <a:off x="1002575" y="1231726"/>
-              <a:ext cx="838200" cy="838200"/>
+              <a:off x="4148608" y="1765465"/>
+              <a:ext cx="207792" cy="412124"/>
             </a:xfrm>
-            <a:prstGeom prst="rect">
+            <a:custGeom>
               <a:avLst/>
-            </a:prstGeom>
-            <a:noFill/>
+              <a:gdLst>
+                <a:gd name="connsiteX0" fmla="*/ 101011 w 379178"/>
+                <a:gd name="connsiteY0" fmla="*/ 251115 h 752043"/>
+                <a:gd name="connsiteX1" fmla="*/ 101011 w 379178"/>
+                <a:gd name="connsiteY1" fmla="*/ 497253 h 752043"/>
+                <a:gd name="connsiteX2" fmla="*/ 0 w 379178"/>
+                <a:gd name="connsiteY2" fmla="*/ 487080 h 752043"/>
+                <a:gd name="connsiteX3" fmla="*/ 0 w 379178"/>
+                <a:gd name="connsiteY3" fmla="*/ 257677 h 752043"/>
+                <a:gd name="connsiteX4" fmla="*/ 379178 w 379178"/>
+                <a:gd name="connsiteY4" fmla="*/ 0 h 752043"/>
+                <a:gd name="connsiteX5" fmla="*/ 371476 w 379178"/>
+                <a:gd name="connsiteY5" fmla="*/ 752043 h 752043"/>
+                <a:gd name="connsiteX6" fmla="*/ 146730 w 379178"/>
+                <a:gd name="connsiteY6" fmla="*/ 521945 h 752043"/>
+                <a:gd name="connsiteX7" fmla="*/ 146730 w 379178"/>
+                <a:gd name="connsiteY7" fmla="*/ 227040 h 752043"/>
+              </a:gdLst>
+              <a:ahLst/>
+              <a:cxnLst>
+                <a:cxn ang="0">
+                  <a:pos x="connsiteX0" y="connsiteY0"/>
+                </a:cxn>
+                <a:cxn ang="0">
+                  <a:pos x="connsiteX1" y="connsiteY1"/>
+                </a:cxn>
+                <a:cxn ang="0">
+                  <a:pos x="connsiteX2" y="connsiteY2"/>
+                </a:cxn>
+                <a:cxn ang="0">
+                  <a:pos x="connsiteX3" y="connsiteY3"/>
+                </a:cxn>
+                <a:cxn ang="0">
+                  <a:pos x="connsiteX4" y="connsiteY4"/>
+                </a:cxn>
+                <a:cxn ang="0">
+                  <a:pos x="connsiteX5" y="connsiteY5"/>
+                </a:cxn>
+                <a:cxn ang="0">
+                  <a:pos x="connsiteX6" y="connsiteY6"/>
+                </a:cxn>
+                <a:cxn ang="0">
+                  <a:pos x="connsiteX7" y="connsiteY7"/>
+                </a:cxn>
+              </a:cxnLst>
+              <a:rect l="l" t="t" r="r" b="b"/>
+              <a:pathLst>
+                <a:path w="379178" h="752043">
+                  <a:moveTo>
+                    <a:pt x="101011" y="251115"/>
+                  </a:moveTo>
+                  <a:lnTo>
+                    <a:pt x="101011" y="497253"/>
+                  </a:lnTo>
+                  <a:lnTo>
+                    <a:pt x="0" y="487080"/>
+                  </a:lnTo>
+                  <a:lnTo>
+                    <a:pt x="0" y="257677"/>
+                  </a:lnTo>
+                  <a:close/>
+                  <a:moveTo>
+                    <a:pt x="379178" y="0"/>
+                  </a:moveTo>
+                  <a:cubicBezTo>
+                    <a:pt x="376611" y="250681"/>
+                    <a:pt x="374043" y="501362"/>
+                    <a:pt x="371476" y="752043"/>
+                  </a:cubicBezTo>
+                  <a:lnTo>
+                    <a:pt x="146730" y="521945"/>
+                  </a:lnTo>
+                  <a:lnTo>
+                    <a:pt x="146730" y="227040"/>
+                  </a:lnTo>
+                  <a:close/>
+                </a:path>
+              </a:pathLst>
+            </a:custGeom>
+            <a:solidFill>
+              <a:srgbClr val="0070C0"/>
+            </a:solidFill>
             <a:ln>
               <a:noFill/>
             </a:ln>
@@ -4834,80 +5066,37 @@
             </a:fontRef>
           </p:style>
           <p:txBody>
-            <a:bodyPr rtlCol="0" anchor="ctr"/>
+            <a:bodyPr wrap="square" rtlCol="0" anchor="ctr">
+              <a:noAutofit/>
+            </a:bodyPr>
             <a:lstStyle/>
             <a:p>
               <a:pPr algn="ctr"/>
-              <a:endParaRPr lang="en-SG"/>
+              <a:endParaRPr lang="en-SG" dirty="0"/>
             </a:p>
           </p:txBody>
         </p:sp>
         <p:sp>
           <p:nvSpPr>
-            <p:cNvPr id="152" name="Rectangle 4"/>
+            <p:cNvPr id="154" name="Rectangle: Rounded Corners 153"/>
             <p:cNvSpPr/>
             <p:nvPr/>
           </p:nvSpPr>
           <p:spPr>
-            <a:xfrm rot="16200000">
-              <a:off x="1071530" y="1304929"/>
-              <a:ext cx="700291" cy="690781"/>
+            <a:xfrm>
+              <a:off x="4413302" y="1948667"/>
+              <a:ext cx="222620" cy="45719"/>
             </a:xfrm>
-            <a:custGeom>
-              <a:avLst/>
-              <a:gdLst/>
-              <a:ahLst/>
-              <a:cxnLst/>
-              <a:rect l="l" t="t" r="r" b="b"/>
-              <a:pathLst>
-                <a:path w="1752603" h="1752600">
-                  <a:moveTo>
-                    <a:pt x="533400" y="0"/>
-                  </a:moveTo>
-                  <a:lnTo>
-                    <a:pt x="533403" y="0"/>
-                  </a:lnTo>
-                  <a:lnTo>
-                    <a:pt x="1066800" y="0"/>
-                  </a:lnTo>
-                  <a:lnTo>
-                    <a:pt x="1752603" y="0"/>
-                  </a:lnTo>
-                  <a:lnTo>
-                    <a:pt x="1752603" y="1752600"/>
-                  </a:lnTo>
-                  <a:lnTo>
-                    <a:pt x="1219203" y="1752600"/>
-                  </a:lnTo>
-                  <a:lnTo>
-                    <a:pt x="533403" y="1752600"/>
-                  </a:lnTo>
-                  <a:lnTo>
-                    <a:pt x="3" y="1752600"/>
-                  </a:lnTo>
-                  <a:lnTo>
-                    <a:pt x="3" y="533430"/>
-                  </a:lnTo>
-                  <a:cubicBezTo>
-                    <a:pt x="0" y="533420"/>
-                    <a:pt x="0" y="533410"/>
-                    <a:pt x="0" y="533400"/>
-                  </a:cubicBezTo>
-                  <a:cubicBezTo>
-                    <a:pt x="0" y="238811"/>
-                    <a:pt x="238811" y="0"/>
-                    <a:pt x="533400" y="0"/>
-                  </a:cubicBezTo>
-                  <a:close/>
-                </a:path>
-              </a:pathLst>
-            </a:custGeom>
-            <a:noFill/>
-            <a:ln w="76200" cmpd="sng">
-              <a:solidFill>
-                <a:srgbClr val="0070C0"/>
-              </a:solidFill>
-              <a:miter lim="800000"/>
+            <a:prstGeom prst="roundRect">
+              <a:avLst>
+                <a:gd name="adj" fmla="val 50000"/>
+              </a:avLst>
+            </a:prstGeom>
+            <a:solidFill>
+              <a:srgbClr val="F79646"/>
+            </a:solidFill>
+            <a:ln>
+              <a:noFill/>
             </a:ln>
           </p:spPr>
           <p:style>
@@ -4935,277 +5124,103 @@
             </a:p>
           </p:txBody>
         </p:sp>
+        <p:sp>
+          <p:nvSpPr>
+            <p:cNvPr id="155" name="Rectangle: Rounded Corners 154"/>
+            <p:cNvSpPr/>
+            <p:nvPr/>
+          </p:nvSpPr>
+          <p:spPr>
+            <a:xfrm>
+              <a:off x="4413302" y="2062833"/>
+              <a:ext cx="222620" cy="45719"/>
+            </a:xfrm>
+            <a:prstGeom prst="roundRect">
+              <a:avLst>
+                <a:gd name="adj" fmla="val 50000"/>
+              </a:avLst>
+            </a:prstGeom>
+            <a:solidFill>
+              <a:srgbClr val="F79646"/>
+            </a:solidFill>
+            <a:ln>
+              <a:noFill/>
+            </a:ln>
+          </p:spPr>
+          <p:style>
+            <a:lnRef idx="2">
+              <a:schemeClr val="accent1">
+                <a:shade val="50000"/>
+              </a:schemeClr>
+            </a:lnRef>
+            <a:fillRef idx="1">
+              <a:schemeClr val="accent1"/>
+            </a:fillRef>
+            <a:effectRef idx="0">
+              <a:schemeClr val="accent1"/>
+            </a:effectRef>
+            <a:fontRef idx="minor">
+              <a:schemeClr val="lt1"/>
+            </a:fontRef>
+          </p:style>
+          <p:txBody>
+            <a:bodyPr rtlCol="0" anchor="ctr"/>
+            <a:lstStyle/>
+            <a:p>
+              <a:pPr algn="ctr"/>
+              <a:endParaRPr lang="en-US" dirty="0"/>
+            </a:p>
+          </p:txBody>
+        </p:sp>
+        <p:sp>
+          <p:nvSpPr>
+            <p:cNvPr id="156" name="Rectangle: Rounded Corners 155"/>
+            <p:cNvSpPr/>
+            <p:nvPr/>
+          </p:nvSpPr>
+          <p:spPr>
+            <a:xfrm>
+              <a:off x="4413302" y="1833487"/>
+              <a:ext cx="222620" cy="45719"/>
+            </a:xfrm>
+            <a:prstGeom prst="roundRect">
+              <a:avLst>
+                <a:gd name="adj" fmla="val 50000"/>
+              </a:avLst>
+            </a:prstGeom>
+            <a:solidFill>
+              <a:srgbClr val="F79646"/>
+            </a:solidFill>
+            <a:ln>
+              <a:noFill/>
+            </a:ln>
+          </p:spPr>
+          <p:style>
+            <a:lnRef idx="2">
+              <a:schemeClr val="accent1">
+                <a:shade val="50000"/>
+              </a:schemeClr>
+            </a:lnRef>
+            <a:fillRef idx="1">
+              <a:schemeClr val="accent1"/>
+            </a:fillRef>
+            <a:effectRef idx="0">
+              <a:schemeClr val="accent1"/>
+            </a:effectRef>
+            <a:fontRef idx="minor">
+              <a:schemeClr val="lt1"/>
+            </a:fontRef>
+          </p:style>
+          <p:txBody>
+            <a:bodyPr rtlCol="0" anchor="ctr"/>
+            <a:lstStyle/>
+            <a:p>
+              <a:pPr algn="ctr"/>
+              <a:endParaRPr lang="en-US" dirty="0"/>
+            </a:p>
+          </p:txBody>
+        </p:sp>
       </p:grpSp>
-      <p:sp>
-        <p:nvSpPr>
-          <p:cNvPr id="153" name="Freeform: Shape 152"/>
-          <p:cNvSpPr/>
-          <p:nvPr/>
-        </p:nvSpPr>
-        <p:spPr>
-          <a:xfrm>
-            <a:off x="4148608" y="1765465"/>
-            <a:ext cx="207792" cy="412124"/>
-          </a:xfrm>
-          <a:custGeom>
-            <a:avLst/>
-            <a:gdLst>
-              <a:gd name="connsiteX0" fmla="*/ 101011 w 379178"/>
-              <a:gd name="connsiteY0" fmla="*/ 251115 h 752043"/>
-              <a:gd name="connsiteX1" fmla="*/ 101011 w 379178"/>
-              <a:gd name="connsiteY1" fmla="*/ 497253 h 752043"/>
-              <a:gd name="connsiteX2" fmla="*/ 0 w 379178"/>
-              <a:gd name="connsiteY2" fmla="*/ 487080 h 752043"/>
-              <a:gd name="connsiteX3" fmla="*/ 0 w 379178"/>
-              <a:gd name="connsiteY3" fmla="*/ 257677 h 752043"/>
-              <a:gd name="connsiteX4" fmla="*/ 379178 w 379178"/>
-              <a:gd name="connsiteY4" fmla="*/ 0 h 752043"/>
-              <a:gd name="connsiteX5" fmla="*/ 371476 w 379178"/>
-              <a:gd name="connsiteY5" fmla="*/ 752043 h 752043"/>
-              <a:gd name="connsiteX6" fmla="*/ 146730 w 379178"/>
-              <a:gd name="connsiteY6" fmla="*/ 521945 h 752043"/>
-              <a:gd name="connsiteX7" fmla="*/ 146730 w 379178"/>
-              <a:gd name="connsiteY7" fmla="*/ 227040 h 752043"/>
-            </a:gdLst>
-            <a:ahLst/>
-            <a:cxnLst>
-              <a:cxn ang="0">
-                <a:pos x="connsiteX0" y="connsiteY0"/>
-              </a:cxn>
-              <a:cxn ang="0">
-                <a:pos x="connsiteX1" y="connsiteY1"/>
-              </a:cxn>
-              <a:cxn ang="0">
-                <a:pos x="connsiteX2" y="connsiteY2"/>
-              </a:cxn>
-              <a:cxn ang="0">
-                <a:pos x="connsiteX3" y="connsiteY3"/>
-              </a:cxn>
-              <a:cxn ang="0">
-                <a:pos x="connsiteX4" y="connsiteY4"/>
-              </a:cxn>
-              <a:cxn ang="0">
-                <a:pos x="connsiteX5" y="connsiteY5"/>
-              </a:cxn>
-              <a:cxn ang="0">
-                <a:pos x="connsiteX6" y="connsiteY6"/>
-              </a:cxn>
-              <a:cxn ang="0">
-                <a:pos x="connsiteX7" y="connsiteY7"/>
-              </a:cxn>
-            </a:cxnLst>
-            <a:rect l="l" t="t" r="r" b="b"/>
-            <a:pathLst>
-              <a:path w="379178" h="752043">
-                <a:moveTo>
-                  <a:pt x="101011" y="251115"/>
-                </a:moveTo>
-                <a:lnTo>
-                  <a:pt x="101011" y="497253"/>
-                </a:lnTo>
-                <a:lnTo>
-                  <a:pt x="0" y="487080"/>
-                </a:lnTo>
-                <a:lnTo>
-                  <a:pt x="0" y="257677"/>
-                </a:lnTo>
-                <a:close/>
-                <a:moveTo>
-                  <a:pt x="379178" y="0"/>
-                </a:moveTo>
-                <a:cubicBezTo>
-                  <a:pt x="376611" y="250681"/>
-                  <a:pt x="374043" y="501362"/>
-                  <a:pt x="371476" y="752043"/>
-                </a:cubicBezTo>
-                <a:lnTo>
-                  <a:pt x="146730" y="521945"/>
-                </a:lnTo>
-                <a:lnTo>
-                  <a:pt x="146730" y="227040"/>
-                </a:lnTo>
-                <a:close/>
-              </a:path>
-            </a:pathLst>
-          </a:custGeom>
-          <a:solidFill>
-            <a:srgbClr val="0070C0"/>
-          </a:solidFill>
-          <a:ln>
-            <a:noFill/>
-          </a:ln>
-        </p:spPr>
-        <p:style>
-          <a:lnRef idx="2">
-            <a:schemeClr val="accent1">
-              <a:shade val="50000"/>
-            </a:schemeClr>
-          </a:lnRef>
-          <a:fillRef idx="1">
-            <a:schemeClr val="accent1"/>
-          </a:fillRef>
-          <a:effectRef idx="0">
-            <a:schemeClr val="accent1"/>
-          </a:effectRef>
-          <a:fontRef idx="minor">
-            <a:schemeClr val="lt1"/>
-          </a:fontRef>
-        </p:style>
-        <p:txBody>
-          <a:bodyPr wrap="square" rtlCol="0" anchor="ctr">
-            <a:noAutofit/>
-          </a:bodyPr>
-          <a:lstStyle/>
-          <a:p>
-            <a:pPr algn="ctr"/>
-            <a:endParaRPr lang="en-SG" dirty="0"/>
-          </a:p>
-        </p:txBody>
-      </p:sp>
-      <p:sp>
-        <p:nvSpPr>
-          <p:cNvPr id="154" name="Rectangle: Rounded Corners 153"/>
-          <p:cNvSpPr/>
-          <p:nvPr/>
-        </p:nvSpPr>
-        <p:spPr>
-          <a:xfrm>
-            <a:off x="4413302" y="1948667"/>
-            <a:ext cx="222620" cy="45719"/>
-          </a:xfrm>
-          <a:prstGeom prst="roundRect">
-            <a:avLst>
-              <a:gd name="adj" fmla="val 50000"/>
-            </a:avLst>
-          </a:prstGeom>
-          <a:solidFill>
-            <a:srgbClr val="F79646"/>
-          </a:solidFill>
-          <a:ln>
-            <a:noFill/>
-          </a:ln>
-        </p:spPr>
-        <p:style>
-          <a:lnRef idx="2">
-            <a:schemeClr val="accent1">
-              <a:shade val="50000"/>
-            </a:schemeClr>
-          </a:lnRef>
-          <a:fillRef idx="1">
-            <a:schemeClr val="accent1"/>
-          </a:fillRef>
-          <a:effectRef idx="0">
-            <a:schemeClr val="accent1"/>
-          </a:effectRef>
-          <a:fontRef idx="minor">
-            <a:schemeClr val="lt1"/>
-          </a:fontRef>
-        </p:style>
-        <p:txBody>
-          <a:bodyPr rtlCol="0" anchor="ctr"/>
-          <a:lstStyle/>
-          <a:p>
-            <a:pPr algn="ctr"/>
-            <a:endParaRPr lang="en-US"/>
-          </a:p>
-        </p:txBody>
-      </p:sp>
-      <p:sp>
-        <p:nvSpPr>
-          <p:cNvPr id="155" name="Rectangle: Rounded Corners 154"/>
-          <p:cNvSpPr/>
-          <p:nvPr/>
-        </p:nvSpPr>
-        <p:spPr>
-          <a:xfrm>
-            <a:off x="4413302" y="2062833"/>
-            <a:ext cx="222620" cy="45719"/>
-          </a:xfrm>
-          <a:prstGeom prst="roundRect">
-            <a:avLst>
-              <a:gd name="adj" fmla="val 50000"/>
-            </a:avLst>
-          </a:prstGeom>
-          <a:solidFill>
-            <a:srgbClr val="F79646"/>
-          </a:solidFill>
-          <a:ln>
-            <a:noFill/>
-          </a:ln>
-        </p:spPr>
-        <p:style>
-          <a:lnRef idx="2">
-            <a:schemeClr val="accent1">
-              <a:shade val="50000"/>
-            </a:schemeClr>
-          </a:lnRef>
-          <a:fillRef idx="1">
-            <a:schemeClr val="accent1"/>
-          </a:fillRef>
-          <a:effectRef idx="0">
-            <a:schemeClr val="accent1"/>
-          </a:effectRef>
-          <a:fontRef idx="minor">
-            <a:schemeClr val="lt1"/>
-          </a:fontRef>
-        </p:style>
-        <p:txBody>
-          <a:bodyPr rtlCol="0" anchor="ctr"/>
-          <a:lstStyle/>
-          <a:p>
-            <a:pPr algn="ctr"/>
-            <a:endParaRPr lang="en-US" dirty="0"/>
-          </a:p>
-        </p:txBody>
-      </p:sp>
-      <p:sp>
-        <p:nvSpPr>
-          <p:cNvPr id="156" name="Rectangle: Rounded Corners 155"/>
-          <p:cNvSpPr/>
-          <p:nvPr/>
-        </p:nvSpPr>
-        <p:spPr>
-          <a:xfrm>
-            <a:off x="4413302" y="1833487"/>
-            <a:ext cx="222620" cy="45719"/>
-          </a:xfrm>
-          <a:prstGeom prst="roundRect">
-            <a:avLst>
-              <a:gd name="adj" fmla="val 50000"/>
-            </a:avLst>
-          </a:prstGeom>
-          <a:solidFill>
-            <a:srgbClr val="F79646"/>
-          </a:solidFill>
-          <a:ln>
-            <a:noFill/>
-          </a:ln>
-        </p:spPr>
-        <p:style>
-          <a:lnRef idx="2">
-            <a:schemeClr val="accent1">
-              <a:shade val="50000"/>
-            </a:schemeClr>
-          </a:lnRef>
-          <a:fillRef idx="1">
-            <a:schemeClr val="accent1"/>
-          </a:fillRef>
-          <a:effectRef idx="0">
-            <a:schemeClr val="accent1"/>
-          </a:effectRef>
-          <a:fontRef idx="minor">
-            <a:schemeClr val="lt1"/>
-          </a:fontRef>
-        </p:style>
-        <p:txBody>
-          <a:bodyPr rtlCol="0" anchor="ctr"/>
-          <a:lstStyle/>
-          <a:p>
-            <a:pPr algn="ctr"/>
-            <a:endParaRPr lang="en-US" dirty="0"/>
-          </a:p>
-        </p:txBody>
-      </p:sp>
       <p:grpSp>
         <p:nvGrpSpPr>
           <p:cNvPr id="157" name="Group 156"/>
@@ -6800,241 +6815,16 @@
       </p:grpSp>
       <p:grpSp>
         <p:nvGrpSpPr>
-          <p:cNvPr id="78" name="Group 77"/>
-          <p:cNvGrpSpPr/>
-          <p:nvPr/>
-        </p:nvGrpSpPr>
-        <p:grpSpPr>
-          <a:xfrm>
-            <a:off x="3793672" y="3442492"/>
-            <a:ext cx="595901" cy="595901"/>
-            <a:chOff x="4371272" y="4019727"/>
-            <a:chExt cx="595901" cy="595901"/>
-          </a:xfrm>
-        </p:grpSpPr>
-        <p:sp>
-          <p:nvSpPr>
-            <p:cNvPr id="79" name="Rectangle 78"/>
-            <p:cNvSpPr/>
-            <p:nvPr/>
-          </p:nvSpPr>
-          <p:spPr>
-            <a:xfrm>
-              <a:off x="4371272" y="4019727"/>
-              <a:ext cx="595901" cy="595901"/>
-            </a:xfrm>
-            <a:prstGeom prst="rect">
-              <a:avLst/>
-            </a:prstGeom>
-            <a:noFill/>
-            <a:ln>
-              <a:noFill/>
-            </a:ln>
-          </p:spPr>
-          <p:style>
-            <a:lnRef idx="2">
-              <a:schemeClr val="accent1">
-                <a:shade val="50000"/>
-              </a:schemeClr>
-            </a:lnRef>
-            <a:fillRef idx="1">
-              <a:schemeClr val="accent1"/>
-            </a:fillRef>
-            <a:effectRef idx="0">
-              <a:schemeClr val="accent1"/>
-            </a:effectRef>
-            <a:fontRef idx="minor">
-              <a:schemeClr val="lt1"/>
-            </a:fontRef>
-          </p:style>
-          <p:txBody>
-            <a:bodyPr rtlCol="0" anchor="ctr"/>
-            <a:lstStyle/>
-            <a:p>
-              <a:pPr algn="ctr"/>
-              <a:endParaRPr lang="en-SG"/>
-            </a:p>
-          </p:txBody>
-        </p:sp>
-        <p:sp>
-          <p:nvSpPr>
-            <p:cNvPr id="82" name="Rectangle 5"/>
-            <p:cNvSpPr/>
-            <p:nvPr/>
-          </p:nvSpPr>
-          <p:spPr>
-            <a:xfrm>
-              <a:off x="4415119" y="4102168"/>
-              <a:ext cx="216424" cy="429245"/>
-            </a:xfrm>
-            <a:custGeom>
-              <a:avLst/>
-              <a:gdLst>
-                <a:gd name="connsiteX0" fmla="*/ 0 w 247861"/>
-                <a:gd name="connsiteY0" fmla="*/ 168438 h 491595"/>
-                <a:gd name="connsiteX1" fmla="*/ 83956 w 247861"/>
-                <a:gd name="connsiteY1" fmla="*/ 162984 h 491595"/>
-                <a:gd name="connsiteX2" fmla="*/ 56685 w 247861"/>
-                <a:gd name="connsiteY2" fmla="*/ 318394 h 491595"/>
-                <a:gd name="connsiteX3" fmla="*/ 0 w 247861"/>
-                <a:gd name="connsiteY3" fmla="*/ 318394 h 491595"/>
-                <a:gd name="connsiteX4" fmla="*/ 0 w 247861"/>
-                <a:gd name="connsiteY4" fmla="*/ 168438 h 491595"/>
-                <a:gd name="connsiteX5" fmla="*/ 247861 w 247861"/>
-                <a:gd name="connsiteY5" fmla="*/ 0 h 491595"/>
-                <a:gd name="connsiteX6" fmla="*/ 242826 w 247861"/>
-                <a:gd name="connsiteY6" fmla="*/ 491595 h 491595"/>
-                <a:gd name="connsiteX7" fmla="*/ 82985 w 247861"/>
-                <a:gd name="connsiteY7" fmla="*/ 327947 h 491595"/>
-                <a:gd name="connsiteX8" fmla="*/ 84711 w 247861"/>
-                <a:gd name="connsiteY8" fmla="*/ 159354 h 491595"/>
-                <a:gd name="connsiteX9" fmla="*/ 247861 w 247861"/>
-                <a:gd name="connsiteY9" fmla="*/ 0 h 491595"/>
-                <a:gd name="connsiteX0" fmla="*/ 0 w 247861"/>
-                <a:gd name="connsiteY0" fmla="*/ 168438 h 491595"/>
-                <a:gd name="connsiteX1" fmla="*/ 83956 w 247861"/>
-                <a:gd name="connsiteY1" fmla="*/ 162984 h 491595"/>
-                <a:gd name="connsiteX2" fmla="*/ 81228 w 247861"/>
-                <a:gd name="connsiteY2" fmla="*/ 326575 h 491595"/>
-                <a:gd name="connsiteX3" fmla="*/ 0 w 247861"/>
-                <a:gd name="connsiteY3" fmla="*/ 318394 h 491595"/>
-                <a:gd name="connsiteX4" fmla="*/ 0 w 247861"/>
-                <a:gd name="connsiteY4" fmla="*/ 168438 h 491595"/>
-                <a:gd name="connsiteX5" fmla="*/ 247861 w 247861"/>
-                <a:gd name="connsiteY5" fmla="*/ 0 h 491595"/>
-                <a:gd name="connsiteX6" fmla="*/ 242826 w 247861"/>
-                <a:gd name="connsiteY6" fmla="*/ 491595 h 491595"/>
-                <a:gd name="connsiteX7" fmla="*/ 82985 w 247861"/>
-                <a:gd name="connsiteY7" fmla="*/ 327947 h 491595"/>
-                <a:gd name="connsiteX8" fmla="*/ 84711 w 247861"/>
-                <a:gd name="connsiteY8" fmla="*/ 159354 h 491595"/>
-                <a:gd name="connsiteX9" fmla="*/ 247861 w 247861"/>
-                <a:gd name="connsiteY9" fmla="*/ 0 h 491595"/>
-              </a:gdLst>
-              <a:ahLst/>
-              <a:cxnLst>
-                <a:cxn ang="0">
-                  <a:pos x="connsiteX0" y="connsiteY0"/>
-                </a:cxn>
-                <a:cxn ang="0">
-                  <a:pos x="connsiteX1" y="connsiteY1"/>
-                </a:cxn>
-                <a:cxn ang="0">
-                  <a:pos x="connsiteX2" y="connsiteY2"/>
-                </a:cxn>
-                <a:cxn ang="0">
-                  <a:pos x="connsiteX3" y="connsiteY3"/>
-                </a:cxn>
-                <a:cxn ang="0">
-                  <a:pos x="connsiteX4" y="connsiteY4"/>
-                </a:cxn>
-                <a:cxn ang="0">
-                  <a:pos x="connsiteX5" y="connsiteY5"/>
-                </a:cxn>
-                <a:cxn ang="0">
-                  <a:pos x="connsiteX6" y="connsiteY6"/>
-                </a:cxn>
-                <a:cxn ang="0">
-                  <a:pos x="connsiteX7" y="connsiteY7"/>
-                </a:cxn>
-                <a:cxn ang="0">
-                  <a:pos x="connsiteX8" y="connsiteY8"/>
-                </a:cxn>
-                <a:cxn ang="0">
-                  <a:pos x="connsiteX9" y="connsiteY9"/>
-                </a:cxn>
-              </a:cxnLst>
-              <a:rect l="l" t="t" r="r" b="b"/>
-              <a:pathLst>
-                <a:path w="247861" h="491595">
-                  <a:moveTo>
-                    <a:pt x="0" y="168438"/>
-                  </a:moveTo>
-                  <a:lnTo>
-                    <a:pt x="83956" y="162984"/>
-                  </a:lnTo>
-                  <a:cubicBezTo>
-                    <a:pt x="83047" y="217514"/>
-                    <a:pt x="82137" y="272045"/>
-                    <a:pt x="81228" y="326575"/>
-                  </a:cubicBezTo>
-                  <a:lnTo>
-                    <a:pt x="0" y="318394"/>
-                  </a:lnTo>
-                  <a:lnTo>
-                    <a:pt x="0" y="168438"/>
-                  </a:lnTo>
-                  <a:close/>
-                  <a:moveTo>
-                    <a:pt x="247861" y="0"/>
-                  </a:moveTo>
-                  <a:cubicBezTo>
-                    <a:pt x="246183" y="163865"/>
-                    <a:pt x="244504" y="327730"/>
-                    <a:pt x="242826" y="491595"/>
-                  </a:cubicBezTo>
-                  <a:lnTo>
-                    <a:pt x="82985" y="327947"/>
-                  </a:lnTo>
-                  <a:cubicBezTo>
-                    <a:pt x="83560" y="271749"/>
-                    <a:pt x="84136" y="215552"/>
-                    <a:pt x="84711" y="159354"/>
-                  </a:cubicBezTo>
-                  <a:lnTo>
-                    <a:pt x="247861" y="0"/>
-                  </a:lnTo>
-                  <a:close/>
-                </a:path>
-              </a:pathLst>
-            </a:custGeom>
-            <a:solidFill>
-              <a:srgbClr val="0070C0"/>
-            </a:solidFill>
-            <a:ln>
-              <a:solidFill>
-                <a:schemeClr val="bg1"/>
-              </a:solidFill>
-            </a:ln>
-          </p:spPr>
-          <p:style>
-            <a:lnRef idx="2">
-              <a:schemeClr val="accent1">
-                <a:shade val="50000"/>
-              </a:schemeClr>
-            </a:lnRef>
-            <a:fillRef idx="1">
-              <a:schemeClr val="accent1"/>
-            </a:fillRef>
-            <a:effectRef idx="0">
-              <a:schemeClr val="accent1"/>
-            </a:effectRef>
-            <a:fontRef idx="minor">
-              <a:schemeClr val="lt1"/>
-            </a:fontRef>
-          </p:style>
-          <p:txBody>
-            <a:bodyPr rtlCol="0" anchor="ctr"/>
-            <a:lstStyle/>
-            <a:p>
-              <a:pPr algn="ctr"/>
-              <a:endParaRPr lang="en-SG" dirty="0"/>
-            </a:p>
-          </p:txBody>
-        </p:sp>
-      </p:grpSp>
-      <p:grpSp>
-        <p:nvGrpSpPr>
           <p:cNvPr id="83" name="Group 82"/>
           <p:cNvGrpSpPr/>
           <p:nvPr/>
         </p:nvGrpSpPr>
         <p:grpSpPr>
           <a:xfrm>
-            <a:off x="2778547" y="3431681"/>
-            <a:ext cx="611065" cy="595901"/>
+            <a:off x="2775910" y="3196310"/>
+            <a:ext cx="595901" cy="595901"/>
             <a:chOff x="4371272" y="4019727"/>
-            <a:chExt cx="611065" cy="595901"/>
+            <a:chExt cx="595901" cy="595901"/>
           </a:xfrm>
         </p:grpSpPr>
         <p:sp>
@@ -7091,8 +6881,8 @@
           </p:nvSpPr>
           <p:spPr>
             <a:xfrm>
-              <a:off x="4677417" y="4155867"/>
-              <a:ext cx="304920" cy="304920"/>
+              <a:off x="4579194" y="4119556"/>
+              <a:ext cx="387979" cy="387979"/>
             </a:xfrm>
             <a:prstGeom prst="mathPlus">
               <a:avLst/>
@@ -7573,9 +7363,39 @@
           </p:txBody>
         </p:sp>
       </p:grpSp>
+      <p:sp>
+        <p:nvSpPr>
+          <p:cNvPr id="105" name="TextBox 104"/>
+          <p:cNvSpPr txBox="1"/>
+          <p:nvPr/>
+        </p:nvSpPr>
+        <p:spPr>
+          <a:xfrm>
+            <a:off x="3778100" y="5961076"/>
+            <a:ext cx="990413" cy="338554"/>
+          </a:xfrm>
+          <a:prstGeom prst="rect">
+            <a:avLst/>
+          </a:prstGeom>
+          <a:noFill/>
+        </p:spPr>
+        <p:txBody>
+          <a:bodyPr wrap="square" rtlCol="0">
+            <a:spAutoFit/>
+          </a:bodyPr>
+          <a:lstStyle/>
+          <a:p>
+            <a:r>
+              <a:rPr lang="en-US" sz="800" dirty="0"/>
+              <a:t>Record Audio Manually</a:t>
+            </a:r>
+            <a:endParaRPr lang="en-SG" sz="800" dirty="0"/>
+          </a:p>
+        </p:txBody>
+      </p:sp>
       <p:grpSp>
         <p:nvGrpSpPr>
-          <p:cNvPr id="96" name="Group 95"/>
+          <p:cNvPr id="2" name="Group 1"/>
           <p:cNvGrpSpPr/>
           <p:nvPr/>
         </p:nvGrpSpPr>
@@ -7583,151 +7403,212 @@
           <a:xfrm>
             <a:off x="3768818" y="5468491"/>
             <a:ext cx="598060" cy="598060"/>
-            <a:chOff x="2942342" y="4171432"/>
+            <a:chOff x="3768818" y="5468491"/>
             <a:chExt cx="598060" cy="598060"/>
           </a:xfrm>
         </p:grpSpPr>
+        <p:grpSp>
+          <p:nvGrpSpPr>
+            <p:cNvPr id="96" name="Group 95"/>
+            <p:cNvGrpSpPr/>
+            <p:nvPr/>
+          </p:nvGrpSpPr>
+          <p:grpSpPr>
+            <a:xfrm>
+              <a:off x="3768818" y="5468491"/>
+              <a:ext cx="598060" cy="598060"/>
+              <a:chOff x="2942342" y="4171432"/>
+              <a:chExt cx="598060" cy="598060"/>
+            </a:xfrm>
+          </p:grpSpPr>
+          <p:sp>
+            <p:nvSpPr>
+              <p:cNvPr id="101" name="Freeform: Shape 100"/>
+              <p:cNvSpPr/>
+              <p:nvPr/>
+            </p:nvSpPr>
+            <p:spPr>
+              <a:xfrm>
+                <a:off x="2995111" y="4263160"/>
+                <a:ext cx="207792" cy="412124"/>
+              </a:xfrm>
+              <a:custGeom>
+                <a:avLst/>
+                <a:gdLst>
+                  <a:gd name="connsiteX0" fmla="*/ 101011 w 379178"/>
+                  <a:gd name="connsiteY0" fmla="*/ 251115 h 752043"/>
+                  <a:gd name="connsiteX1" fmla="*/ 101011 w 379178"/>
+                  <a:gd name="connsiteY1" fmla="*/ 497253 h 752043"/>
+                  <a:gd name="connsiteX2" fmla="*/ 0 w 379178"/>
+                  <a:gd name="connsiteY2" fmla="*/ 487080 h 752043"/>
+                  <a:gd name="connsiteX3" fmla="*/ 0 w 379178"/>
+                  <a:gd name="connsiteY3" fmla="*/ 257677 h 752043"/>
+                  <a:gd name="connsiteX4" fmla="*/ 379178 w 379178"/>
+                  <a:gd name="connsiteY4" fmla="*/ 0 h 752043"/>
+                  <a:gd name="connsiteX5" fmla="*/ 371476 w 379178"/>
+                  <a:gd name="connsiteY5" fmla="*/ 752043 h 752043"/>
+                  <a:gd name="connsiteX6" fmla="*/ 146730 w 379178"/>
+                  <a:gd name="connsiteY6" fmla="*/ 521945 h 752043"/>
+                  <a:gd name="connsiteX7" fmla="*/ 146730 w 379178"/>
+                  <a:gd name="connsiteY7" fmla="*/ 227040 h 752043"/>
+                </a:gdLst>
+                <a:ahLst/>
+                <a:cxnLst>
+                  <a:cxn ang="0">
+                    <a:pos x="connsiteX0" y="connsiteY0"/>
+                  </a:cxn>
+                  <a:cxn ang="0">
+                    <a:pos x="connsiteX1" y="connsiteY1"/>
+                  </a:cxn>
+                  <a:cxn ang="0">
+                    <a:pos x="connsiteX2" y="connsiteY2"/>
+                  </a:cxn>
+                  <a:cxn ang="0">
+                    <a:pos x="connsiteX3" y="connsiteY3"/>
+                  </a:cxn>
+                  <a:cxn ang="0">
+                    <a:pos x="connsiteX4" y="connsiteY4"/>
+                  </a:cxn>
+                  <a:cxn ang="0">
+                    <a:pos x="connsiteX5" y="connsiteY5"/>
+                  </a:cxn>
+                  <a:cxn ang="0">
+                    <a:pos x="connsiteX6" y="connsiteY6"/>
+                  </a:cxn>
+                  <a:cxn ang="0">
+                    <a:pos x="connsiteX7" y="connsiteY7"/>
+                  </a:cxn>
+                </a:cxnLst>
+                <a:rect l="l" t="t" r="r" b="b"/>
+                <a:pathLst>
+                  <a:path w="379178" h="752043">
+                    <a:moveTo>
+                      <a:pt x="101011" y="251115"/>
+                    </a:moveTo>
+                    <a:lnTo>
+                      <a:pt x="101011" y="497253"/>
+                    </a:lnTo>
+                    <a:lnTo>
+                      <a:pt x="0" y="487080"/>
+                    </a:lnTo>
+                    <a:lnTo>
+                      <a:pt x="0" y="257677"/>
+                    </a:lnTo>
+                    <a:close/>
+                    <a:moveTo>
+                      <a:pt x="379178" y="0"/>
+                    </a:moveTo>
+                    <a:cubicBezTo>
+                      <a:pt x="376611" y="250681"/>
+                      <a:pt x="374043" y="501362"/>
+                      <a:pt x="371476" y="752043"/>
+                    </a:cubicBezTo>
+                    <a:lnTo>
+                      <a:pt x="146730" y="521945"/>
+                    </a:lnTo>
+                    <a:lnTo>
+                      <a:pt x="146730" y="227040"/>
+                    </a:lnTo>
+                    <a:close/>
+                  </a:path>
+                </a:pathLst>
+              </a:custGeom>
+              <a:solidFill>
+                <a:srgbClr val="0070C0"/>
+              </a:solidFill>
+              <a:ln>
+                <a:noFill/>
+              </a:ln>
+            </p:spPr>
+            <p:style>
+              <a:lnRef idx="2">
+                <a:schemeClr val="accent1">
+                  <a:shade val="50000"/>
+                </a:schemeClr>
+              </a:lnRef>
+              <a:fillRef idx="1">
+                <a:schemeClr val="accent1"/>
+              </a:fillRef>
+              <a:effectRef idx="0">
+                <a:schemeClr val="accent1"/>
+              </a:effectRef>
+              <a:fontRef idx="minor">
+                <a:schemeClr val="lt1"/>
+              </a:fontRef>
+            </p:style>
+            <p:txBody>
+              <a:bodyPr wrap="square" rtlCol="0" anchor="ctr">
+                <a:noAutofit/>
+              </a:bodyPr>
+              <a:lstStyle/>
+              <a:p>
+                <a:pPr algn="ctr"/>
+                <a:endParaRPr lang="en-SG" dirty="0"/>
+              </a:p>
+            </p:txBody>
+          </p:sp>
+          <p:sp>
+            <p:nvSpPr>
+              <p:cNvPr id="103" name="Rectangle 102"/>
+              <p:cNvSpPr/>
+              <p:nvPr/>
+            </p:nvSpPr>
+            <p:spPr>
+              <a:xfrm>
+                <a:off x="2942342" y="4171432"/>
+                <a:ext cx="598060" cy="598060"/>
+              </a:xfrm>
+              <a:prstGeom prst="rect">
+                <a:avLst/>
+              </a:prstGeom>
+              <a:noFill/>
+              <a:ln>
+                <a:noFill/>
+              </a:ln>
+            </p:spPr>
+            <p:style>
+              <a:lnRef idx="2">
+                <a:schemeClr val="accent1">
+                  <a:shade val="50000"/>
+                </a:schemeClr>
+              </a:lnRef>
+              <a:fillRef idx="1">
+                <a:schemeClr val="accent1"/>
+              </a:fillRef>
+              <a:effectRef idx="0">
+                <a:schemeClr val="accent1"/>
+              </a:effectRef>
+              <a:fontRef idx="minor">
+                <a:schemeClr val="lt1"/>
+              </a:fontRef>
+            </p:style>
+            <p:txBody>
+              <a:bodyPr rtlCol="0" anchor="ctr"/>
+              <a:lstStyle/>
+              <a:p>
+                <a:pPr algn="ctr"/>
+                <a:endParaRPr lang="en-SG"/>
+              </a:p>
+            </p:txBody>
+          </p:sp>
+        </p:grpSp>
         <p:sp>
           <p:nvSpPr>
-            <p:cNvPr id="101" name="Freeform: Shape 100"/>
+            <p:cNvPr id="106" name="Oval 105"/>
             <p:cNvSpPr/>
             <p:nvPr/>
           </p:nvSpPr>
           <p:spPr>
             <a:xfrm>
-              <a:off x="2995111" y="4263160"/>
-              <a:ext cx="207792" cy="412124"/>
+              <a:off x="4081405" y="5652974"/>
+              <a:ext cx="214924" cy="214924"/>
             </a:xfrm>
-            <a:custGeom>
-              <a:avLst/>
-              <a:gdLst>
-                <a:gd name="connsiteX0" fmla="*/ 101011 w 379178"/>
-                <a:gd name="connsiteY0" fmla="*/ 251115 h 752043"/>
-                <a:gd name="connsiteX1" fmla="*/ 101011 w 379178"/>
-                <a:gd name="connsiteY1" fmla="*/ 497253 h 752043"/>
-                <a:gd name="connsiteX2" fmla="*/ 0 w 379178"/>
-                <a:gd name="connsiteY2" fmla="*/ 487080 h 752043"/>
-                <a:gd name="connsiteX3" fmla="*/ 0 w 379178"/>
-                <a:gd name="connsiteY3" fmla="*/ 257677 h 752043"/>
-                <a:gd name="connsiteX4" fmla="*/ 379178 w 379178"/>
-                <a:gd name="connsiteY4" fmla="*/ 0 h 752043"/>
-                <a:gd name="connsiteX5" fmla="*/ 371476 w 379178"/>
-                <a:gd name="connsiteY5" fmla="*/ 752043 h 752043"/>
-                <a:gd name="connsiteX6" fmla="*/ 146730 w 379178"/>
-                <a:gd name="connsiteY6" fmla="*/ 521945 h 752043"/>
-                <a:gd name="connsiteX7" fmla="*/ 146730 w 379178"/>
-                <a:gd name="connsiteY7" fmla="*/ 227040 h 752043"/>
-              </a:gdLst>
-              <a:ahLst/>
-              <a:cxnLst>
-                <a:cxn ang="0">
-                  <a:pos x="connsiteX0" y="connsiteY0"/>
-                </a:cxn>
-                <a:cxn ang="0">
-                  <a:pos x="connsiteX1" y="connsiteY1"/>
-                </a:cxn>
-                <a:cxn ang="0">
-                  <a:pos x="connsiteX2" y="connsiteY2"/>
-                </a:cxn>
-                <a:cxn ang="0">
-                  <a:pos x="connsiteX3" y="connsiteY3"/>
-                </a:cxn>
-                <a:cxn ang="0">
-                  <a:pos x="connsiteX4" y="connsiteY4"/>
-                </a:cxn>
-                <a:cxn ang="0">
-                  <a:pos x="connsiteX5" y="connsiteY5"/>
-                </a:cxn>
-                <a:cxn ang="0">
-                  <a:pos x="connsiteX6" y="connsiteY6"/>
-                </a:cxn>
-                <a:cxn ang="0">
-                  <a:pos x="connsiteX7" y="connsiteY7"/>
-                </a:cxn>
-              </a:cxnLst>
-              <a:rect l="l" t="t" r="r" b="b"/>
-              <a:pathLst>
-                <a:path w="379178" h="752043">
-                  <a:moveTo>
-                    <a:pt x="101011" y="251115"/>
-                  </a:moveTo>
-                  <a:lnTo>
-                    <a:pt x="101011" y="497253"/>
-                  </a:lnTo>
-                  <a:lnTo>
-                    <a:pt x="0" y="487080"/>
-                  </a:lnTo>
-                  <a:lnTo>
-                    <a:pt x="0" y="257677"/>
-                  </a:lnTo>
-                  <a:close/>
-                  <a:moveTo>
-                    <a:pt x="379178" y="0"/>
-                  </a:moveTo>
-                  <a:cubicBezTo>
-                    <a:pt x="376611" y="250681"/>
-                    <a:pt x="374043" y="501362"/>
-                    <a:pt x="371476" y="752043"/>
-                  </a:cubicBezTo>
-                  <a:lnTo>
-                    <a:pt x="146730" y="521945"/>
-                  </a:lnTo>
-                  <a:lnTo>
-                    <a:pt x="146730" y="227040"/>
-                  </a:lnTo>
-                  <a:close/>
-                </a:path>
-              </a:pathLst>
-            </a:custGeom>
-            <a:solidFill>
-              <a:srgbClr val="0070C0"/>
-            </a:solidFill>
-            <a:ln>
-              <a:noFill/>
-            </a:ln>
-          </p:spPr>
-          <p:style>
-            <a:lnRef idx="2">
-              <a:schemeClr val="accent1">
-                <a:shade val="50000"/>
-              </a:schemeClr>
-            </a:lnRef>
-            <a:fillRef idx="1">
-              <a:schemeClr val="accent1"/>
-            </a:fillRef>
-            <a:effectRef idx="0">
-              <a:schemeClr val="accent1"/>
-            </a:effectRef>
-            <a:fontRef idx="minor">
-              <a:schemeClr val="lt1"/>
-            </a:fontRef>
-          </p:style>
-          <p:txBody>
-            <a:bodyPr wrap="square" rtlCol="0" anchor="ctr">
-              <a:noAutofit/>
-            </a:bodyPr>
-            <a:lstStyle/>
-            <a:p>
-              <a:pPr algn="ctr"/>
-              <a:endParaRPr lang="en-SG" dirty="0"/>
-            </a:p>
-          </p:txBody>
-        </p:sp>
-        <p:sp>
-          <p:nvSpPr>
-            <p:cNvPr id="103" name="Rectangle 102"/>
-            <p:cNvSpPr/>
-            <p:nvPr/>
-          </p:nvSpPr>
-          <p:spPr>
-            <a:xfrm>
-              <a:off x="2942342" y="4171432"/>
-              <a:ext cx="598060" cy="598060"/>
-            </a:xfrm>
-            <a:prstGeom prst="rect">
+            <a:prstGeom prst="ellipse">
               <a:avLst/>
             </a:prstGeom>
-            <a:noFill/>
+            <a:solidFill>
+              <a:srgbClr val="F79646"/>
+            </a:solidFill>
             <a:ln>
               <a:noFill/>
             </a:ln>
@@ -7753,87 +7634,11 @@
             <a:lstStyle/>
             <a:p>
               <a:pPr algn="ctr"/>
-              <a:endParaRPr lang="en-SG"/>
+              <a:endParaRPr lang="en-US"/>
             </a:p>
           </p:txBody>
         </p:sp>
       </p:grpSp>
-      <p:sp>
-        <p:nvSpPr>
-          <p:cNvPr id="105" name="TextBox 104"/>
-          <p:cNvSpPr txBox="1"/>
-          <p:nvPr/>
-        </p:nvSpPr>
-        <p:spPr>
-          <a:xfrm>
-            <a:off x="3778100" y="5961076"/>
-            <a:ext cx="990413" cy="338554"/>
-          </a:xfrm>
-          <a:prstGeom prst="rect">
-            <a:avLst/>
-          </a:prstGeom>
-          <a:noFill/>
-        </p:spPr>
-        <p:txBody>
-          <a:bodyPr wrap="square" rtlCol="0">
-            <a:spAutoFit/>
-          </a:bodyPr>
-          <a:lstStyle/>
-          <a:p>
-            <a:r>
-              <a:rPr lang="en-US" sz="800" dirty="0"/>
-              <a:t>Record Audio Manually</a:t>
-            </a:r>
-            <a:endParaRPr lang="en-SG" sz="800" dirty="0"/>
-          </a:p>
-        </p:txBody>
-      </p:sp>
-      <p:sp>
-        <p:nvSpPr>
-          <p:cNvPr id="106" name="Oval 105"/>
-          <p:cNvSpPr/>
-          <p:nvPr/>
-        </p:nvSpPr>
-        <p:spPr>
-          <a:xfrm>
-            <a:off x="4081405" y="5652974"/>
-            <a:ext cx="214924" cy="214924"/>
-          </a:xfrm>
-          <a:prstGeom prst="ellipse">
-            <a:avLst/>
-          </a:prstGeom>
-          <a:solidFill>
-            <a:srgbClr val="F79646"/>
-          </a:solidFill>
-          <a:ln>
-            <a:noFill/>
-          </a:ln>
-        </p:spPr>
-        <p:style>
-          <a:lnRef idx="2">
-            <a:schemeClr val="accent1">
-              <a:shade val="50000"/>
-            </a:schemeClr>
-          </a:lnRef>
-          <a:fillRef idx="1">
-            <a:schemeClr val="accent1"/>
-          </a:fillRef>
-          <a:effectRef idx="0">
-            <a:schemeClr val="accent1"/>
-          </a:effectRef>
-          <a:fontRef idx="minor">
-            <a:schemeClr val="lt1"/>
-          </a:fontRef>
-        </p:style>
-        <p:txBody>
-          <a:bodyPr rtlCol="0" anchor="ctr"/>
-          <a:lstStyle/>
-          <a:p>
-            <a:pPr algn="ctr"/>
-            <a:endParaRPr lang="en-US"/>
-          </a:p>
-        </p:txBody>
-      </p:sp>
       <p:grpSp>
         <p:nvGrpSpPr>
           <p:cNvPr id="107" name="Group 106"/>
@@ -7842,10 +7647,10 @@
         </p:nvGrpSpPr>
         <p:grpSpPr>
           <a:xfrm>
-            <a:off x="4730744" y="3410618"/>
-            <a:ext cx="611065" cy="595901"/>
+            <a:off x="4774189" y="3223869"/>
+            <a:ext cx="613685" cy="595901"/>
             <a:chOff x="4371272" y="4019727"/>
-            <a:chExt cx="611065" cy="595901"/>
+            <a:chExt cx="613685" cy="595901"/>
           </a:xfrm>
         </p:grpSpPr>
         <p:sp>
@@ -7902,8 +7707,8 @@
           </p:nvSpPr>
           <p:spPr>
             <a:xfrm rot="2789166">
-              <a:off x="4677417" y="4155867"/>
-              <a:ext cx="304920" cy="304920"/>
+              <a:off x="4575404" y="4118090"/>
+              <a:ext cx="409553" cy="409553"/>
             </a:xfrm>
             <a:prstGeom prst="mathPlus">
               <a:avLst/>
@@ -7942,7 +7747,7 @@
             <a:lstStyle/>
             <a:p>
               <a:pPr algn="ctr"/>
-              <a:endParaRPr lang="en-US">
+              <a:endParaRPr lang="en-US" dirty="0">
                 <a:solidFill>
                   <a:srgbClr val="FFFFFF"/>
                 </a:solidFill>
@@ -8148,63 +7953,303 @@
           </a:p>
         </p:txBody>
       </p:sp>
-      <p:sp>
-        <p:nvSpPr>
-          <p:cNvPr id="112" name="Oval 111"/>
-          <p:cNvSpPr/>
+      <p:grpSp>
+        <p:nvGrpSpPr>
+          <p:cNvPr id="7" name="Group 6"/>
+          <p:cNvGrpSpPr/>
           <p:nvPr/>
-        </p:nvSpPr>
-        <p:spPr>
+        </p:nvGrpSpPr>
+        <p:grpSpPr>
           <a:xfrm>
-            <a:off x="4110284" y="3632093"/>
-            <a:ext cx="214924" cy="214924"/>
+            <a:off x="3796533" y="3237508"/>
+            <a:ext cx="595901" cy="595901"/>
+            <a:chOff x="3793672" y="3442492"/>
+            <a:chExt cx="595901" cy="595901"/>
           </a:xfrm>
-          <a:prstGeom prst="ellipse">
-            <a:avLst/>
-          </a:prstGeom>
-          <a:solidFill>
-            <a:srgbClr val="F79646"/>
-          </a:solidFill>
-          <a:ln w="25400" cap="flat" cmpd="sng" algn="ctr">
+        </p:grpSpPr>
+        <p:grpSp>
+          <p:nvGrpSpPr>
+            <p:cNvPr id="78" name="Group 77"/>
+            <p:cNvGrpSpPr/>
+            <p:nvPr/>
+          </p:nvGrpSpPr>
+          <p:grpSpPr>
+            <a:xfrm>
+              <a:off x="3793672" y="3442492"/>
+              <a:ext cx="595901" cy="595901"/>
+              <a:chOff x="4371272" y="4019727"/>
+              <a:chExt cx="595901" cy="595901"/>
+            </a:xfrm>
+          </p:grpSpPr>
+          <p:sp>
+            <p:nvSpPr>
+              <p:cNvPr id="79" name="Rectangle 78"/>
+              <p:cNvSpPr/>
+              <p:nvPr/>
+            </p:nvSpPr>
+            <p:spPr>
+              <a:xfrm>
+                <a:off x="4371272" y="4019727"/>
+                <a:ext cx="595901" cy="595901"/>
+              </a:xfrm>
+              <a:prstGeom prst="rect">
+                <a:avLst/>
+              </a:prstGeom>
+              <a:noFill/>
+              <a:ln>
+                <a:noFill/>
+              </a:ln>
+            </p:spPr>
+            <p:style>
+              <a:lnRef idx="2">
+                <a:schemeClr val="accent1">
+                  <a:shade val="50000"/>
+                </a:schemeClr>
+              </a:lnRef>
+              <a:fillRef idx="1">
+                <a:schemeClr val="accent1"/>
+              </a:fillRef>
+              <a:effectRef idx="0">
+                <a:schemeClr val="accent1"/>
+              </a:effectRef>
+              <a:fontRef idx="minor">
+                <a:schemeClr val="lt1"/>
+              </a:fontRef>
+            </p:style>
+            <p:txBody>
+              <a:bodyPr rtlCol="0" anchor="ctr"/>
+              <a:lstStyle/>
+              <a:p>
+                <a:pPr algn="ctr"/>
+                <a:endParaRPr lang="en-SG"/>
+              </a:p>
+            </p:txBody>
+          </p:sp>
+          <p:sp>
+            <p:nvSpPr>
+              <p:cNvPr id="82" name="Rectangle 5"/>
+              <p:cNvSpPr/>
+              <p:nvPr/>
+            </p:nvSpPr>
+            <p:spPr>
+              <a:xfrm>
+                <a:off x="4415119" y="4102168"/>
+                <a:ext cx="216424" cy="429245"/>
+              </a:xfrm>
+              <a:custGeom>
+                <a:avLst/>
+                <a:gdLst>
+                  <a:gd name="connsiteX0" fmla="*/ 0 w 247861"/>
+                  <a:gd name="connsiteY0" fmla="*/ 168438 h 491595"/>
+                  <a:gd name="connsiteX1" fmla="*/ 83956 w 247861"/>
+                  <a:gd name="connsiteY1" fmla="*/ 162984 h 491595"/>
+                  <a:gd name="connsiteX2" fmla="*/ 56685 w 247861"/>
+                  <a:gd name="connsiteY2" fmla="*/ 318394 h 491595"/>
+                  <a:gd name="connsiteX3" fmla="*/ 0 w 247861"/>
+                  <a:gd name="connsiteY3" fmla="*/ 318394 h 491595"/>
+                  <a:gd name="connsiteX4" fmla="*/ 0 w 247861"/>
+                  <a:gd name="connsiteY4" fmla="*/ 168438 h 491595"/>
+                  <a:gd name="connsiteX5" fmla="*/ 247861 w 247861"/>
+                  <a:gd name="connsiteY5" fmla="*/ 0 h 491595"/>
+                  <a:gd name="connsiteX6" fmla="*/ 242826 w 247861"/>
+                  <a:gd name="connsiteY6" fmla="*/ 491595 h 491595"/>
+                  <a:gd name="connsiteX7" fmla="*/ 82985 w 247861"/>
+                  <a:gd name="connsiteY7" fmla="*/ 327947 h 491595"/>
+                  <a:gd name="connsiteX8" fmla="*/ 84711 w 247861"/>
+                  <a:gd name="connsiteY8" fmla="*/ 159354 h 491595"/>
+                  <a:gd name="connsiteX9" fmla="*/ 247861 w 247861"/>
+                  <a:gd name="connsiteY9" fmla="*/ 0 h 491595"/>
+                  <a:gd name="connsiteX0" fmla="*/ 0 w 247861"/>
+                  <a:gd name="connsiteY0" fmla="*/ 168438 h 491595"/>
+                  <a:gd name="connsiteX1" fmla="*/ 83956 w 247861"/>
+                  <a:gd name="connsiteY1" fmla="*/ 162984 h 491595"/>
+                  <a:gd name="connsiteX2" fmla="*/ 81228 w 247861"/>
+                  <a:gd name="connsiteY2" fmla="*/ 326575 h 491595"/>
+                  <a:gd name="connsiteX3" fmla="*/ 0 w 247861"/>
+                  <a:gd name="connsiteY3" fmla="*/ 318394 h 491595"/>
+                  <a:gd name="connsiteX4" fmla="*/ 0 w 247861"/>
+                  <a:gd name="connsiteY4" fmla="*/ 168438 h 491595"/>
+                  <a:gd name="connsiteX5" fmla="*/ 247861 w 247861"/>
+                  <a:gd name="connsiteY5" fmla="*/ 0 h 491595"/>
+                  <a:gd name="connsiteX6" fmla="*/ 242826 w 247861"/>
+                  <a:gd name="connsiteY6" fmla="*/ 491595 h 491595"/>
+                  <a:gd name="connsiteX7" fmla="*/ 82985 w 247861"/>
+                  <a:gd name="connsiteY7" fmla="*/ 327947 h 491595"/>
+                  <a:gd name="connsiteX8" fmla="*/ 84711 w 247861"/>
+                  <a:gd name="connsiteY8" fmla="*/ 159354 h 491595"/>
+                  <a:gd name="connsiteX9" fmla="*/ 247861 w 247861"/>
+                  <a:gd name="connsiteY9" fmla="*/ 0 h 491595"/>
+                </a:gdLst>
+                <a:ahLst/>
+                <a:cxnLst>
+                  <a:cxn ang="0">
+                    <a:pos x="connsiteX0" y="connsiteY0"/>
+                  </a:cxn>
+                  <a:cxn ang="0">
+                    <a:pos x="connsiteX1" y="connsiteY1"/>
+                  </a:cxn>
+                  <a:cxn ang="0">
+                    <a:pos x="connsiteX2" y="connsiteY2"/>
+                  </a:cxn>
+                  <a:cxn ang="0">
+                    <a:pos x="connsiteX3" y="connsiteY3"/>
+                  </a:cxn>
+                  <a:cxn ang="0">
+                    <a:pos x="connsiteX4" y="connsiteY4"/>
+                  </a:cxn>
+                  <a:cxn ang="0">
+                    <a:pos x="connsiteX5" y="connsiteY5"/>
+                  </a:cxn>
+                  <a:cxn ang="0">
+                    <a:pos x="connsiteX6" y="connsiteY6"/>
+                  </a:cxn>
+                  <a:cxn ang="0">
+                    <a:pos x="connsiteX7" y="connsiteY7"/>
+                  </a:cxn>
+                  <a:cxn ang="0">
+                    <a:pos x="connsiteX8" y="connsiteY8"/>
+                  </a:cxn>
+                  <a:cxn ang="0">
+                    <a:pos x="connsiteX9" y="connsiteY9"/>
+                  </a:cxn>
+                </a:cxnLst>
+                <a:rect l="l" t="t" r="r" b="b"/>
+                <a:pathLst>
+                  <a:path w="247861" h="491595">
+                    <a:moveTo>
+                      <a:pt x="0" y="168438"/>
+                    </a:moveTo>
+                    <a:lnTo>
+                      <a:pt x="83956" y="162984"/>
+                    </a:lnTo>
+                    <a:cubicBezTo>
+                      <a:pt x="83047" y="217514"/>
+                      <a:pt x="82137" y="272045"/>
+                      <a:pt x="81228" y="326575"/>
+                    </a:cubicBezTo>
+                    <a:lnTo>
+                      <a:pt x="0" y="318394"/>
+                    </a:lnTo>
+                    <a:lnTo>
+                      <a:pt x="0" y="168438"/>
+                    </a:lnTo>
+                    <a:close/>
+                    <a:moveTo>
+                      <a:pt x="247861" y="0"/>
+                    </a:moveTo>
+                    <a:cubicBezTo>
+                      <a:pt x="246183" y="163865"/>
+                      <a:pt x="244504" y="327730"/>
+                      <a:pt x="242826" y="491595"/>
+                    </a:cubicBezTo>
+                    <a:lnTo>
+                      <a:pt x="82985" y="327947"/>
+                    </a:lnTo>
+                    <a:cubicBezTo>
+                      <a:pt x="83560" y="271749"/>
+                      <a:pt x="84136" y="215552"/>
+                      <a:pt x="84711" y="159354"/>
+                    </a:cubicBezTo>
+                    <a:lnTo>
+                      <a:pt x="247861" y="0"/>
+                    </a:lnTo>
+                    <a:close/>
+                  </a:path>
+                </a:pathLst>
+              </a:custGeom>
+              <a:solidFill>
+                <a:srgbClr val="0070C0"/>
+              </a:solidFill>
+              <a:ln>
+                <a:solidFill>
+                  <a:schemeClr val="bg1"/>
+                </a:solidFill>
+              </a:ln>
+            </p:spPr>
+            <p:style>
+              <a:lnRef idx="2">
+                <a:schemeClr val="accent1">
+                  <a:shade val="50000"/>
+                </a:schemeClr>
+              </a:lnRef>
+              <a:fillRef idx="1">
+                <a:schemeClr val="accent1"/>
+              </a:fillRef>
+              <a:effectRef idx="0">
+                <a:schemeClr val="accent1"/>
+              </a:effectRef>
+              <a:fontRef idx="minor">
+                <a:schemeClr val="lt1"/>
+              </a:fontRef>
+            </p:style>
+            <p:txBody>
+              <a:bodyPr rtlCol="0" anchor="ctr"/>
+              <a:lstStyle/>
+              <a:p>
+                <a:pPr algn="ctr"/>
+                <a:endParaRPr lang="en-SG" dirty="0"/>
+              </a:p>
+            </p:txBody>
+          </p:sp>
+        </p:grpSp>
+        <p:sp>
+          <p:nvSpPr>
+            <p:cNvPr id="112" name="Oval 111"/>
+            <p:cNvSpPr/>
+            <p:nvPr/>
+          </p:nvSpPr>
+          <p:spPr>
+            <a:xfrm>
+              <a:off x="4059733" y="3608436"/>
+              <a:ext cx="262237" cy="262237"/>
+            </a:xfrm>
+            <a:prstGeom prst="ellipse">
+              <a:avLst/>
+            </a:prstGeom>
             <a:solidFill>
-              <a:srgbClr val="FFFFFF"/>
+              <a:srgbClr val="F79646"/>
             </a:solidFill>
-            <a:prstDash val="solid"/>
-            <a:round/>
-            <a:headEnd type="none" w="med" len="med"/>
-            <a:tailEnd type="none" w="med" len="med"/>
-          </a:ln>
-        </p:spPr>
-        <p:style>
-          <a:lnRef idx="2">
-            <a:schemeClr val="accent1">
-              <a:shade val="50000"/>
-            </a:schemeClr>
-          </a:lnRef>
-          <a:fillRef idx="1">
-            <a:schemeClr val="accent1"/>
-          </a:fillRef>
-          <a:effectRef idx="0">
-            <a:schemeClr val="accent1"/>
-          </a:effectRef>
-          <a:fontRef idx="minor">
-            <a:schemeClr val="lt1"/>
-          </a:fontRef>
-        </p:style>
-        <p:txBody>
-          <a:bodyPr rtlCol="0" anchor="ctr"/>
-          <a:lstStyle/>
-          <a:p>
-            <a:pPr algn="ctr"/>
-            <a:endParaRPr lang="en-US">
+            <a:ln w="25400" cap="flat" cmpd="sng" algn="ctr">
               <a:solidFill>
                 <a:srgbClr val="FFFFFF"/>
               </a:solidFill>
-              <a:latin typeface="Calibri" panose="020F0502020204030204" pitchFamily="34" charset="0"/>
-            </a:endParaRPr>
-          </a:p>
-        </p:txBody>
-      </p:sp>
+              <a:prstDash val="solid"/>
+              <a:round/>
+              <a:headEnd type="none" w="med" len="med"/>
+              <a:tailEnd type="none" w="med" len="med"/>
+            </a:ln>
+          </p:spPr>
+          <p:style>
+            <a:lnRef idx="2">
+              <a:schemeClr val="accent1">
+                <a:shade val="50000"/>
+              </a:schemeClr>
+            </a:lnRef>
+            <a:fillRef idx="1">
+              <a:schemeClr val="accent1"/>
+            </a:fillRef>
+            <a:effectRef idx="0">
+              <a:schemeClr val="accent1"/>
+            </a:effectRef>
+            <a:fontRef idx="minor">
+              <a:schemeClr val="lt1"/>
+            </a:fontRef>
+          </p:style>
+          <p:txBody>
+            <a:bodyPr rtlCol="0" anchor="ctr"/>
+            <a:lstStyle/>
+            <a:p>
+              <a:pPr algn="ctr"/>
+              <a:endParaRPr lang="en-US">
+                <a:solidFill>
+                  <a:srgbClr val="FFFFFF"/>
+                </a:solidFill>
+                <a:latin typeface="Calibri" panose="020F0502020204030204" pitchFamily="34" charset="0"/>
+              </a:endParaRPr>
+            </a:p>
+          </p:txBody>
+        </p:sp>
+      </p:grpSp>
     </p:spTree>
     <p:extLst>
       <p:ext uri="{BB962C8B-B14F-4D97-AF65-F5344CB8AC3E}">

--- a/doc/Icons-NarrationsLab.pptx
+++ b/doc/Icons-NarrationsLab.pptx
@@ -221,7 +221,7 @@
           <a:p>
             <a:fld id="{6699ACB9-486C-4D62-A3A7-AF98E13EFDA3}" type="datetimeFigureOut">
               <a:rPr lang="en-US" smtClean="0"/>
-              <a:t>6/9/2017</a:t>
+              <a:t>6/15/2017</a:t>
             </a:fld>
             <a:endParaRPr lang="en-US"/>
           </a:p>
@@ -752,7 +752,7 @@
             <a:fld id="{1D8BD707-D9CF-40AE-B4C6-C98DA3205C09}" type="datetimeFigureOut">
               <a:rPr lang="en-US" smtClean="0"/>
               <a:pPr/>
-              <a:t>6/9/2017</a:t>
+              <a:t>6/15/2017</a:t>
             </a:fld>
             <a:endParaRPr lang="en-US"/>
           </a:p>
@@ -917,7 +917,7 @@
             <a:fld id="{1D8BD707-D9CF-40AE-B4C6-C98DA3205C09}" type="datetimeFigureOut">
               <a:rPr lang="en-US" smtClean="0"/>
               <a:pPr/>
-              <a:t>6/9/2017</a:t>
+              <a:t>6/15/2017</a:t>
             </a:fld>
             <a:endParaRPr lang="en-US"/>
           </a:p>
@@ -1092,7 +1092,7 @@
             <a:fld id="{1D8BD707-D9CF-40AE-B4C6-C98DA3205C09}" type="datetimeFigureOut">
               <a:rPr lang="en-US" smtClean="0"/>
               <a:pPr/>
-              <a:t>6/9/2017</a:t>
+              <a:t>6/15/2017</a:t>
             </a:fld>
             <a:endParaRPr lang="en-US"/>
           </a:p>
@@ -1257,7 +1257,7 @@
             <a:fld id="{1D8BD707-D9CF-40AE-B4C6-C98DA3205C09}" type="datetimeFigureOut">
               <a:rPr lang="en-US" smtClean="0"/>
               <a:pPr/>
-              <a:t>6/9/2017</a:t>
+              <a:t>6/15/2017</a:t>
             </a:fld>
             <a:endParaRPr lang="en-US"/>
           </a:p>
@@ -1499,7 +1499,7 @@
             <a:fld id="{1D8BD707-D9CF-40AE-B4C6-C98DA3205C09}" type="datetimeFigureOut">
               <a:rPr lang="en-US" smtClean="0"/>
               <a:pPr/>
-              <a:t>6/9/2017</a:t>
+              <a:t>6/15/2017</a:t>
             </a:fld>
             <a:endParaRPr lang="en-US"/>
           </a:p>
@@ -1781,7 +1781,7 @@
             <a:fld id="{1D8BD707-D9CF-40AE-B4C6-C98DA3205C09}" type="datetimeFigureOut">
               <a:rPr lang="en-US" smtClean="0"/>
               <a:pPr/>
-              <a:t>6/9/2017</a:t>
+              <a:t>6/15/2017</a:t>
             </a:fld>
             <a:endParaRPr lang="en-US"/>
           </a:p>
@@ -2197,7 +2197,7 @@
             <a:fld id="{1D8BD707-D9CF-40AE-B4C6-C98DA3205C09}" type="datetimeFigureOut">
               <a:rPr lang="en-US" smtClean="0"/>
               <a:pPr/>
-              <a:t>6/9/2017</a:t>
+              <a:t>6/15/2017</a:t>
             </a:fld>
             <a:endParaRPr lang="en-US"/>
           </a:p>
@@ -2311,7 +2311,7 @@
             <a:fld id="{1D8BD707-D9CF-40AE-B4C6-C98DA3205C09}" type="datetimeFigureOut">
               <a:rPr lang="en-US" smtClean="0"/>
               <a:pPr/>
-              <a:t>6/9/2017</a:t>
+              <a:t>6/15/2017</a:t>
             </a:fld>
             <a:endParaRPr lang="en-US"/>
           </a:p>
@@ -2403,7 +2403,7 @@
             <a:fld id="{1D8BD707-D9CF-40AE-B4C6-C98DA3205C09}" type="datetimeFigureOut">
               <a:rPr lang="en-US" smtClean="0"/>
               <a:pPr/>
-              <a:t>6/9/2017</a:t>
+              <a:t>6/15/2017</a:t>
             </a:fld>
             <a:endParaRPr lang="en-US"/>
           </a:p>
@@ -2675,7 +2675,7 @@
             <a:fld id="{1D8BD707-D9CF-40AE-B4C6-C98DA3205C09}" type="datetimeFigureOut">
               <a:rPr lang="en-US" smtClean="0"/>
               <a:pPr/>
-              <a:t>6/9/2017</a:t>
+              <a:t>6/15/2017</a:t>
             </a:fld>
             <a:endParaRPr lang="en-US"/>
           </a:p>
@@ -2924,7 +2924,7 @@
             <a:fld id="{1D8BD707-D9CF-40AE-B4C6-C98DA3205C09}" type="datetimeFigureOut">
               <a:rPr lang="en-US" smtClean="0"/>
               <a:pPr/>
-              <a:t>6/9/2017</a:t>
+              <a:t>6/15/2017</a:t>
             </a:fld>
             <a:endParaRPr lang="en-US"/>
           </a:p>
@@ -3132,7 +3132,7 @@
             <a:fld id="{1D8BD707-D9CF-40AE-B4C6-C98DA3205C09}" type="datetimeFigureOut">
               <a:rPr lang="en-US" smtClean="0"/>
               <a:pPr/>
-              <a:t>6/9/2017</a:t>
+              <a:t>6/15/2017</a:t>
             </a:fld>
             <a:endParaRPr lang="en-US"/>
           </a:p>
@@ -8246,6 +8246,335 @@
                 </a:solidFill>
                 <a:latin typeface="Calibri" panose="020F0502020204030204" pitchFamily="34" charset="0"/>
               </a:endParaRPr>
+            </a:p>
+          </p:txBody>
+        </p:sp>
+      </p:grpSp>
+      <p:grpSp>
+        <p:nvGrpSpPr>
+          <p:cNvPr id="92" name="Group 91"/>
+          <p:cNvGrpSpPr/>
+          <p:nvPr/>
+        </p:nvGrpSpPr>
+        <p:grpSpPr>
+          <a:xfrm>
+            <a:off x="503380" y="2508327"/>
+            <a:ext cx="838200" cy="838200"/>
+            <a:chOff x="3973173" y="1554833"/>
+            <a:chExt cx="838200" cy="838200"/>
+          </a:xfrm>
+        </p:grpSpPr>
+        <p:sp>
+          <p:nvSpPr>
+            <p:cNvPr id="114" name="Rectangle 113"/>
+            <p:cNvSpPr/>
+            <p:nvPr/>
+          </p:nvSpPr>
+          <p:spPr>
+            <a:xfrm>
+              <a:off x="3973173" y="1554833"/>
+              <a:ext cx="838200" cy="838200"/>
+            </a:xfrm>
+            <a:prstGeom prst="rect">
+              <a:avLst/>
+            </a:prstGeom>
+            <a:noFill/>
+            <a:ln>
+              <a:noFill/>
+            </a:ln>
+          </p:spPr>
+          <p:style>
+            <a:lnRef idx="2">
+              <a:schemeClr val="accent1">
+                <a:shade val="50000"/>
+              </a:schemeClr>
+            </a:lnRef>
+            <a:fillRef idx="1">
+              <a:schemeClr val="accent1"/>
+            </a:fillRef>
+            <a:effectRef idx="0">
+              <a:schemeClr val="accent1"/>
+            </a:effectRef>
+            <a:fontRef idx="minor">
+              <a:schemeClr val="lt1"/>
+            </a:fontRef>
+          </p:style>
+          <p:txBody>
+            <a:bodyPr rtlCol="0" anchor="ctr"/>
+            <a:lstStyle/>
+            <a:p>
+              <a:pPr algn="ctr"/>
+              <a:endParaRPr lang="en-SG" dirty="0"/>
+            </a:p>
+          </p:txBody>
+        </p:sp>
+        <p:sp>
+          <p:nvSpPr>
+            <p:cNvPr id="95" name="Freeform: Shape 94"/>
+            <p:cNvSpPr/>
+            <p:nvPr/>
+          </p:nvSpPr>
+          <p:spPr>
+            <a:xfrm>
+              <a:off x="4148608" y="1765465"/>
+              <a:ext cx="207792" cy="412124"/>
+            </a:xfrm>
+            <a:custGeom>
+              <a:avLst/>
+              <a:gdLst>
+                <a:gd name="connsiteX0" fmla="*/ 101011 w 379178"/>
+                <a:gd name="connsiteY0" fmla="*/ 251115 h 752043"/>
+                <a:gd name="connsiteX1" fmla="*/ 101011 w 379178"/>
+                <a:gd name="connsiteY1" fmla="*/ 497253 h 752043"/>
+                <a:gd name="connsiteX2" fmla="*/ 0 w 379178"/>
+                <a:gd name="connsiteY2" fmla="*/ 487080 h 752043"/>
+                <a:gd name="connsiteX3" fmla="*/ 0 w 379178"/>
+                <a:gd name="connsiteY3" fmla="*/ 257677 h 752043"/>
+                <a:gd name="connsiteX4" fmla="*/ 379178 w 379178"/>
+                <a:gd name="connsiteY4" fmla="*/ 0 h 752043"/>
+                <a:gd name="connsiteX5" fmla="*/ 371476 w 379178"/>
+                <a:gd name="connsiteY5" fmla="*/ 752043 h 752043"/>
+                <a:gd name="connsiteX6" fmla="*/ 146730 w 379178"/>
+                <a:gd name="connsiteY6" fmla="*/ 521945 h 752043"/>
+                <a:gd name="connsiteX7" fmla="*/ 146730 w 379178"/>
+                <a:gd name="connsiteY7" fmla="*/ 227040 h 752043"/>
+              </a:gdLst>
+              <a:ahLst/>
+              <a:cxnLst>
+                <a:cxn ang="0">
+                  <a:pos x="connsiteX0" y="connsiteY0"/>
+                </a:cxn>
+                <a:cxn ang="0">
+                  <a:pos x="connsiteX1" y="connsiteY1"/>
+                </a:cxn>
+                <a:cxn ang="0">
+                  <a:pos x="connsiteX2" y="connsiteY2"/>
+                </a:cxn>
+                <a:cxn ang="0">
+                  <a:pos x="connsiteX3" y="connsiteY3"/>
+                </a:cxn>
+                <a:cxn ang="0">
+                  <a:pos x="connsiteX4" y="connsiteY4"/>
+                </a:cxn>
+                <a:cxn ang="0">
+                  <a:pos x="connsiteX5" y="connsiteY5"/>
+                </a:cxn>
+                <a:cxn ang="0">
+                  <a:pos x="connsiteX6" y="connsiteY6"/>
+                </a:cxn>
+                <a:cxn ang="0">
+                  <a:pos x="connsiteX7" y="connsiteY7"/>
+                </a:cxn>
+              </a:cxnLst>
+              <a:rect l="l" t="t" r="r" b="b"/>
+              <a:pathLst>
+                <a:path w="379178" h="752043">
+                  <a:moveTo>
+                    <a:pt x="101011" y="251115"/>
+                  </a:moveTo>
+                  <a:lnTo>
+                    <a:pt x="101011" y="497253"/>
+                  </a:lnTo>
+                  <a:lnTo>
+                    <a:pt x="0" y="487080"/>
+                  </a:lnTo>
+                  <a:lnTo>
+                    <a:pt x="0" y="257677"/>
+                  </a:lnTo>
+                  <a:close/>
+                  <a:moveTo>
+                    <a:pt x="379178" y="0"/>
+                  </a:moveTo>
+                  <a:cubicBezTo>
+                    <a:pt x="376611" y="250681"/>
+                    <a:pt x="374043" y="501362"/>
+                    <a:pt x="371476" y="752043"/>
+                  </a:cubicBezTo>
+                  <a:lnTo>
+                    <a:pt x="146730" y="521945"/>
+                  </a:lnTo>
+                  <a:lnTo>
+                    <a:pt x="146730" y="227040"/>
+                  </a:lnTo>
+                  <a:close/>
+                </a:path>
+              </a:pathLst>
+            </a:custGeom>
+            <a:solidFill>
+              <a:srgbClr val="0070C0"/>
+            </a:solidFill>
+            <a:ln>
+              <a:noFill/>
+            </a:ln>
+          </p:spPr>
+          <p:style>
+            <a:lnRef idx="2">
+              <a:schemeClr val="accent1">
+                <a:shade val="50000"/>
+              </a:schemeClr>
+            </a:lnRef>
+            <a:fillRef idx="1">
+              <a:schemeClr val="accent1"/>
+            </a:fillRef>
+            <a:effectRef idx="0">
+              <a:schemeClr val="accent1"/>
+            </a:effectRef>
+            <a:fontRef idx="minor">
+              <a:schemeClr val="lt1"/>
+            </a:fontRef>
+          </p:style>
+          <p:txBody>
+            <a:bodyPr wrap="square" rtlCol="0" anchor="ctr">
+              <a:noAutofit/>
+            </a:bodyPr>
+            <a:lstStyle/>
+            <a:p>
+              <a:pPr algn="ctr"/>
+              <a:endParaRPr lang="en-SG" dirty="0"/>
+            </a:p>
+          </p:txBody>
+        </p:sp>
+        <p:sp>
+          <p:nvSpPr>
+            <p:cNvPr id="102" name="Rectangle: Rounded Corners 101"/>
+            <p:cNvSpPr/>
+            <p:nvPr/>
+          </p:nvSpPr>
+          <p:spPr>
+            <a:xfrm>
+              <a:off x="4413302" y="1948667"/>
+              <a:ext cx="222620" cy="45719"/>
+            </a:xfrm>
+            <a:prstGeom prst="roundRect">
+              <a:avLst>
+                <a:gd name="adj" fmla="val 50000"/>
+              </a:avLst>
+            </a:prstGeom>
+            <a:solidFill>
+              <a:srgbClr val="F79646"/>
+            </a:solidFill>
+            <a:ln>
+              <a:noFill/>
+            </a:ln>
+          </p:spPr>
+          <p:style>
+            <a:lnRef idx="2">
+              <a:schemeClr val="accent1">
+                <a:shade val="50000"/>
+              </a:schemeClr>
+            </a:lnRef>
+            <a:fillRef idx="1">
+              <a:schemeClr val="accent1"/>
+            </a:fillRef>
+            <a:effectRef idx="0">
+              <a:schemeClr val="accent1"/>
+            </a:effectRef>
+            <a:fontRef idx="minor">
+              <a:schemeClr val="lt1"/>
+            </a:fontRef>
+          </p:style>
+          <p:txBody>
+            <a:bodyPr rtlCol="0" anchor="ctr"/>
+            <a:lstStyle/>
+            <a:p>
+              <a:pPr algn="ctr"/>
+              <a:endParaRPr lang="en-US"/>
+            </a:p>
+          </p:txBody>
+        </p:sp>
+        <p:sp>
+          <p:nvSpPr>
+            <p:cNvPr id="104" name="Rectangle: Rounded Corners 103"/>
+            <p:cNvSpPr/>
+            <p:nvPr/>
+          </p:nvSpPr>
+          <p:spPr>
+            <a:xfrm>
+              <a:off x="4413302" y="2062833"/>
+              <a:ext cx="222620" cy="45719"/>
+            </a:xfrm>
+            <a:prstGeom prst="roundRect">
+              <a:avLst>
+                <a:gd name="adj" fmla="val 50000"/>
+              </a:avLst>
+            </a:prstGeom>
+            <a:solidFill>
+              <a:srgbClr val="F79646"/>
+            </a:solidFill>
+            <a:ln>
+              <a:noFill/>
+            </a:ln>
+          </p:spPr>
+          <p:style>
+            <a:lnRef idx="2">
+              <a:schemeClr val="accent1">
+                <a:shade val="50000"/>
+              </a:schemeClr>
+            </a:lnRef>
+            <a:fillRef idx="1">
+              <a:schemeClr val="accent1"/>
+            </a:fillRef>
+            <a:effectRef idx="0">
+              <a:schemeClr val="accent1"/>
+            </a:effectRef>
+            <a:fontRef idx="minor">
+              <a:schemeClr val="lt1"/>
+            </a:fontRef>
+          </p:style>
+          <p:txBody>
+            <a:bodyPr rtlCol="0" anchor="ctr"/>
+            <a:lstStyle/>
+            <a:p>
+              <a:pPr algn="ctr"/>
+              <a:endParaRPr lang="en-US" dirty="0"/>
+            </a:p>
+          </p:txBody>
+        </p:sp>
+        <p:sp>
+          <p:nvSpPr>
+            <p:cNvPr id="113" name="Rectangle: Rounded Corners 112"/>
+            <p:cNvSpPr/>
+            <p:nvPr/>
+          </p:nvSpPr>
+          <p:spPr>
+            <a:xfrm>
+              <a:off x="4413302" y="1833487"/>
+              <a:ext cx="222620" cy="45719"/>
+            </a:xfrm>
+            <a:prstGeom prst="roundRect">
+              <a:avLst>
+                <a:gd name="adj" fmla="val 50000"/>
+              </a:avLst>
+            </a:prstGeom>
+            <a:solidFill>
+              <a:srgbClr val="F79646"/>
+            </a:solidFill>
+            <a:ln>
+              <a:noFill/>
+            </a:ln>
+          </p:spPr>
+          <p:style>
+            <a:lnRef idx="2">
+              <a:schemeClr val="accent1">
+                <a:shade val="50000"/>
+              </a:schemeClr>
+            </a:lnRef>
+            <a:fillRef idx="1">
+              <a:schemeClr val="accent1"/>
+            </a:fillRef>
+            <a:effectRef idx="0">
+              <a:schemeClr val="accent1"/>
+            </a:effectRef>
+            <a:fontRef idx="minor">
+              <a:schemeClr val="lt1"/>
+            </a:fontRef>
+          </p:style>
+          <p:txBody>
+            <a:bodyPr rtlCol="0" anchor="ctr"/>
+            <a:lstStyle/>
+            <a:p>
+              <a:pPr algn="ctr"/>
+              <a:endParaRPr lang="en-US" dirty="0"/>
             </a:p>
           </p:txBody>
         </p:sp>
